--- a/Later/String/Comparing_Strings_and_Portions_of_Strings/String_41/Java String_regionMatches.pptx
+++ b/Later/String/Comparing_Strings_and_Portions_of_Strings/String_41/Java String_regionMatches.pptx
@@ -192,7 +192,7 @@
           <a:p>
             <a:fld id="{62274EC6-3890-417B-9308-14EFBD00FA63}" type="datetimeFigureOut">
               <a:rPr lang="en-US" smtClean="0"/>
-              <a:t>2/19/2016</a:t>
+              <a:t>2/22/2016</a:t>
             </a:fld>
             <a:endParaRPr lang="en-US" dirty="0"/>
           </a:p>
@@ -731,7 +731,7 @@
             <a:fld id="{1D8BD707-D9CF-40AE-B4C6-C98DA3205C09}" type="datetimeFigureOut">
               <a:rPr lang="en-US" smtClean="0"/>
               <a:pPr/>
-              <a:t>2/19/2016</a:t>
+              <a:t>2/22/2016</a:t>
             </a:fld>
             <a:endParaRPr lang="en-US" dirty="0"/>
           </a:p>
@@ -903,7 +903,7 @@
             <a:fld id="{1D8BD707-D9CF-40AE-B4C6-C98DA3205C09}" type="datetimeFigureOut">
               <a:rPr lang="en-US" smtClean="0"/>
               <a:pPr/>
-              <a:t>2/19/2016</a:t>
+              <a:t>2/22/2016</a:t>
             </a:fld>
             <a:endParaRPr lang="en-US" dirty="0"/>
           </a:p>
@@ -1085,7 +1085,7 @@
             <a:fld id="{1D8BD707-D9CF-40AE-B4C6-C98DA3205C09}" type="datetimeFigureOut">
               <a:rPr lang="en-US" smtClean="0"/>
               <a:pPr/>
-              <a:t>2/19/2016</a:t>
+              <a:t>2/22/2016</a:t>
             </a:fld>
             <a:endParaRPr lang="en-US" dirty="0"/>
           </a:p>
@@ -1257,7 +1257,7 @@
             <a:fld id="{1D8BD707-D9CF-40AE-B4C6-C98DA3205C09}" type="datetimeFigureOut">
               <a:rPr lang="en-US" smtClean="0"/>
               <a:pPr/>
-              <a:t>2/19/2016</a:t>
+              <a:t>2/22/2016</a:t>
             </a:fld>
             <a:endParaRPr lang="en-US" dirty="0"/>
           </a:p>
@@ -1505,7 +1505,7 @@
             <a:fld id="{1D8BD707-D9CF-40AE-B4C6-C98DA3205C09}" type="datetimeFigureOut">
               <a:rPr lang="en-US" smtClean="0"/>
               <a:pPr/>
-              <a:t>2/19/2016</a:t>
+              <a:t>2/22/2016</a:t>
             </a:fld>
             <a:endParaRPr lang="en-US" dirty="0"/>
           </a:p>
@@ -1795,7 +1795,7 @@
             <a:fld id="{1D8BD707-D9CF-40AE-B4C6-C98DA3205C09}" type="datetimeFigureOut">
               <a:rPr lang="en-US" smtClean="0"/>
               <a:pPr/>
-              <a:t>2/19/2016</a:t>
+              <a:t>2/22/2016</a:t>
             </a:fld>
             <a:endParaRPr lang="en-US" dirty="0"/>
           </a:p>
@@ -2224,7 +2224,7 @@
             <a:fld id="{1D8BD707-D9CF-40AE-B4C6-C98DA3205C09}" type="datetimeFigureOut">
               <a:rPr lang="en-US" smtClean="0"/>
               <a:pPr/>
-              <a:t>2/19/2016</a:t>
+              <a:t>2/22/2016</a:t>
             </a:fld>
             <a:endParaRPr lang="en-US" dirty="0"/>
           </a:p>
@@ -2344,7 +2344,7 @@
             <a:fld id="{1D8BD707-D9CF-40AE-B4C6-C98DA3205C09}" type="datetimeFigureOut">
               <a:rPr lang="en-US" smtClean="0"/>
               <a:pPr/>
-              <a:t>2/19/2016</a:t>
+              <a:t>2/22/2016</a:t>
             </a:fld>
             <a:endParaRPr lang="en-US" dirty="0"/>
           </a:p>
@@ -2441,7 +2441,7 @@
             <a:fld id="{1D8BD707-D9CF-40AE-B4C6-C98DA3205C09}" type="datetimeFigureOut">
               <a:rPr lang="en-US" smtClean="0"/>
               <a:pPr/>
-              <a:t>2/19/2016</a:t>
+              <a:t>2/22/2016</a:t>
             </a:fld>
             <a:endParaRPr lang="en-US" dirty="0"/>
           </a:p>
@@ -2720,7 +2720,7 @@
             <a:fld id="{1D8BD707-D9CF-40AE-B4C6-C98DA3205C09}" type="datetimeFigureOut">
               <a:rPr lang="en-US" smtClean="0"/>
               <a:pPr/>
-              <a:t>2/19/2016</a:t>
+              <a:t>2/22/2016</a:t>
             </a:fld>
             <a:endParaRPr lang="en-US" dirty="0"/>
           </a:p>
@@ -2975,7 +2975,7 @@
             <a:fld id="{1D8BD707-D9CF-40AE-B4C6-C98DA3205C09}" type="datetimeFigureOut">
               <a:rPr lang="en-US" smtClean="0"/>
               <a:pPr/>
-              <a:t>2/19/2016</a:t>
+              <a:t>2/22/2016</a:t>
             </a:fld>
             <a:endParaRPr lang="en-US" dirty="0"/>
           </a:p>
@@ -3190,7 +3190,7 @@
             <a:fld id="{1D8BD707-D9CF-40AE-B4C6-C98DA3205C09}" type="datetimeFigureOut">
               <a:rPr lang="en-US" smtClean="0"/>
               <a:pPr/>
-              <a:t>2/19/2016</a:t>
+              <a:t>2/22/2016</a:t>
             </a:fld>
             <a:endParaRPr lang="en-US" dirty="0"/>
           </a:p>
@@ -3574,8 +3574,8 @@
         </p:nvSpPr>
         <p:spPr>
           <a:xfrm>
-            <a:off x="2286000" y="2819401"/>
-            <a:ext cx="4724400" cy="743038"/>
+            <a:off x="1981200" y="2971800"/>
+            <a:ext cx="4953000" cy="743038"/>
           </a:xfrm>
           <a:prstGeom prst="roundRect">
             <a:avLst/>
@@ -3605,31 +3605,19 @@
             </a:pPr>
             <a:r>
               <a:rPr lang="en-US" sz="1200" dirty="0"/>
-              <a:t>"Welcome to </a:t>
+              <a:t>"Welcome to ramj2ee.com".regionMatches(11,"</a:t>
             </a:r>
             <a:r>
               <a:rPr lang="en-US" sz="1200" dirty="0">
                 <a:solidFill>
-                  <a:srgbClr val="FF0000"/>
+                  <a:srgbClr val="C00000"/>
                 </a:solidFill>
               </a:rPr>
               <a:t>ramj2ee</a:t>
             </a:r>
             <a:r>
               <a:rPr lang="en-US" sz="1200" dirty="0"/>
-              <a:t>.com".regionMatches("</a:t>
-            </a:r>
-            <a:r>
-              <a:rPr lang="en-US" sz="1200" dirty="0">
-                <a:solidFill>
-                  <a:srgbClr val="FF0000"/>
-                </a:solidFill>
-              </a:rPr>
-              <a:t>ramj2ee</a:t>
-            </a:r>
-            <a:r>
-              <a:rPr lang="en-US" sz="1200" dirty="0"/>
-              <a:t>") = true</a:t>
+              <a:t>",0,7) = true</a:t>
             </a:r>
           </a:p>
           <a:p>
@@ -3639,31 +3627,19 @@
             </a:pPr>
             <a:r>
               <a:rPr lang="en-US" sz="1200" dirty="0"/>
-              <a:t>"Welcome to </a:t>
+              <a:t>"Welcome to ramj2ee.com".regionMatches(11,"</a:t>
             </a:r>
             <a:r>
               <a:rPr lang="en-US" sz="1200" dirty="0">
                 <a:solidFill>
-                  <a:srgbClr val="FF0000"/>
-                </a:solidFill>
-              </a:rPr>
-              <a:t>ramj2ee</a:t>
-            </a:r>
-            <a:r>
-              <a:rPr lang="en-US" sz="1200" dirty="0"/>
-              <a:t>.com".regionMatches("</a:t>
-            </a:r>
-            <a:r>
-              <a:rPr lang="en-US" sz="1200" dirty="0">
-                <a:solidFill>
-                  <a:srgbClr val="FF0000"/>
+                  <a:srgbClr val="C00000"/>
                 </a:solidFill>
               </a:rPr>
               <a:t>RAMJ2EE</a:t>
             </a:r>
             <a:r>
               <a:rPr lang="en-US" sz="1200" dirty="0"/>
-              <a:t>") = false</a:t>
+              <a:t>",0,7) = false</a:t>
             </a:r>
           </a:p>
           <a:p>
@@ -3673,31 +3649,19 @@
             </a:pPr>
             <a:r>
               <a:rPr lang="en-US" sz="1200" dirty="0"/>
-              <a:t>"Welcome to</a:t>
+              <a:t>"Welcome to ramj2ee.com".regionMatches(11,"</a:t>
             </a:r>
             <a:r>
               <a:rPr lang="en-US" sz="1200" dirty="0">
                 <a:solidFill>
-                  <a:srgbClr val="FF0000"/>
-                </a:solidFill>
-              </a:rPr>
-              <a:t> ramj2ee</a:t>
-            </a:r>
-            <a:r>
-              <a:rPr lang="en-US" sz="1200" dirty="0"/>
-              <a:t>.com".regionMatches("</a:t>
-            </a:r>
-            <a:r>
-              <a:rPr lang="en-US" sz="1200" dirty="0">
-                <a:solidFill>
-                  <a:srgbClr val="FF0000"/>
+                  <a:srgbClr val="C00000"/>
                 </a:solidFill>
               </a:rPr>
               <a:t>hello</a:t>
             </a:r>
             <a:r>
               <a:rPr lang="en-US" sz="1200" dirty="0"/>
-              <a:t>") = false</a:t>
+              <a:t>",0,7) = false</a:t>
             </a:r>
             <a:endParaRPr lang="en-US" sz="1200" dirty="0"/>
           </a:p>
